--- a/数据库答辩PPT.pptx
+++ b/数据库答辩PPT.pptx
@@ -3398,6 +3398,42 @@
           <a:xfrm>
             <a:off x="10861731" y="140064"/>
             <a:ext cx="1084943" cy="1095793"/>
+          </a:xfrm>
+          <a:prstGeom prst="rect">
+            <a:avLst/>
+          </a:prstGeom>
+        </p:spPr>
+      </p:pic>
+      <p:pic>
+        <p:nvPicPr>
+          <p:cNvPr id="4" name="图片 3">
+            <a:extLst>
+              <a:ext uri="{FF2B5EF4-FFF2-40B4-BE49-F238E27FC236}">
+                <a16:creationId xmlns:a16="http://schemas.microsoft.com/office/drawing/2014/main" id="{CC4072C3-462A-447E-B80F-ED25D861F2CA}"/>
+              </a:ext>
+            </a:extLst>
+          </p:cNvPr>
+          <p:cNvPicPr>
+            <a:picLocks noChangeAspect="1"/>
+          </p:cNvPicPr>
+          <p:nvPr/>
+        </p:nvPicPr>
+        <p:blipFill>
+          <a:blip r:embed="rId4">
+            <a:extLst>
+              <a:ext uri="{28A0092B-C50C-407E-A947-70E740481C1C}">
+                <a14:useLocalDpi xmlns:a14="http://schemas.microsoft.com/office/drawing/2010/main" val="0"/>
+              </a:ext>
+            </a:extLst>
+          </a:blip>
+          <a:stretch>
+            <a:fillRect/>
+          </a:stretch>
+        </p:blipFill>
+        <p:spPr>
+          <a:xfrm>
+            <a:off x="1199019" y="1235857"/>
+            <a:ext cx="9030483" cy="4499118"/>
           </a:xfrm>
           <a:prstGeom prst="rect">
             <a:avLst/>
@@ -15349,41 +15385,32 @@
       </p:grpSpPr>
       <p:pic>
         <p:nvPicPr>
-          <p:cNvPr id="41" name="Picture 2"/>
+          <p:cNvPr id="2" name="图片 1">
+            <a:extLst>
+              <a:ext uri="{FF2B5EF4-FFF2-40B4-BE49-F238E27FC236}">
+                <a16:creationId xmlns:a16="http://schemas.microsoft.com/office/drawing/2014/main" id="{5189203A-3CAB-498B-A354-F23B757FC496}"/>
+              </a:ext>
+            </a:extLst>
+          </p:cNvPr>
           <p:cNvPicPr>
-            <a:picLocks noChangeAspect="1" noChangeArrowheads="1"/>
+            <a:picLocks noChangeAspect="1"/>
           </p:cNvPicPr>
           <p:nvPr/>
         </p:nvPicPr>
         <p:blipFill>
-          <a:blip r:embed="rId3">
-            <a:extLst>
-              <a:ext uri="{28A0092B-C50C-407E-A947-70E740481C1C}">
-                <a14:useLocalDpi xmlns:a14="http://schemas.microsoft.com/office/drawing/2010/main" val="0"/>
-              </a:ext>
-            </a:extLst>
-          </a:blip>
-          <a:srcRect/>
-          <a:stretch/>
+          <a:blip r:embed="rId3"/>
+          <a:stretch>
+            <a:fillRect/>
+          </a:stretch>
         </p:blipFill>
-        <p:spPr bwMode="auto">
+        <p:spPr>
           <a:xfrm>
-            <a:off x="1" y="168676"/>
-            <a:ext cx="12073630" cy="6689324"/>
+            <a:off x="0" y="0"/>
+            <a:ext cx="12192000" cy="6858000"/>
           </a:xfrm>
           <a:prstGeom prst="rect">
             <a:avLst/>
           </a:prstGeom>
-          <a:noFill/>
-          <a:extLst>
-            <a:ext uri="{909E8E84-426E-40DD-AFC4-6F175D3DCCD1}">
-              <a14:hiddenFill xmlns:a14="http://schemas.microsoft.com/office/drawing/2010/main">
-                <a:solidFill>
-                  <a:srgbClr val="FFFFFF"/>
-                </a:solidFill>
-              </a14:hiddenFill>
-            </a:ext>
-          </a:extLst>
         </p:spPr>
       </p:pic>
     </p:spTree>
@@ -15408,89 +15435,6 @@
       </p:transition>
     </mc:Fallback>
   </mc:AlternateContent>
-  <p:timing>
-    <p:tnLst>
-      <p:par>
-        <p:cTn id="1" dur="indefinite" restart="never" nodeType="tmRoot">
-          <p:childTnLst>
-            <p:seq concurrent="1" nextAc="seek">
-              <p:cTn id="2" dur="indefinite" nodeType="mainSeq">
-                <p:childTnLst>
-                  <p:par>
-                    <p:cTn id="3" fill="hold">
-                      <p:stCondLst>
-                        <p:cond delay="indefinite"/>
-                      </p:stCondLst>
-                      <p:childTnLst>
-                        <p:par>
-                          <p:cTn id="4" fill="hold">
-                            <p:stCondLst>
-                              <p:cond delay="0"/>
-                            </p:stCondLst>
-                            <p:childTnLst>
-                              <p:par>
-                                <p:cTn id="5" presetID="10" presetClass="entr" presetSubtype="0" fill="hold" nodeType="clickEffect">
-                                  <p:stCondLst>
-                                    <p:cond delay="0"/>
-                                  </p:stCondLst>
-                                  <p:childTnLst>
-                                    <p:set>
-                                      <p:cBhvr>
-                                        <p:cTn id="6" dur="1" fill="hold">
-                                          <p:stCondLst>
-                                            <p:cond delay="0"/>
-                                          </p:stCondLst>
-                                        </p:cTn>
-                                        <p:tgtEl>
-                                          <p:spTgt spid="41"/>
-                                        </p:tgtEl>
-                                        <p:attrNameLst>
-                                          <p:attrName>style.visibility</p:attrName>
-                                        </p:attrNameLst>
-                                      </p:cBhvr>
-                                      <p:to>
-                                        <p:strVal val="visible"/>
-                                      </p:to>
-                                    </p:set>
-                                    <p:animEffect transition="in" filter="fade">
-                                      <p:cBhvr>
-                                        <p:cTn id="7" dur="500"/>
-                                        <p:tgtEl>
-                                          <p:spTgt spid="41"/>
-                                        </p:tgtEl>
-                                      </p:cBhvr>
-                                    </p:animEffect>
-                                  </p:childTnLst>
-                                </p:cTn>
-                              </p:par>
-                            </p:childTnLst>
-                          </p:cTn>
-                        </p:par>
-                      </p:childTnLst>
-                    </p:cTn>
-                  </p:par>
-                </p:childTnLst>
-              </p:cTn>
-              <p:prevCondLst>
-                <p:cond evt="onPrev" delay="0">
-                  <p:tgtEl>
-                    <p:sldTgt/>
-                  </p:tgtEl>
-                </p:cond>
-              </p:prevCondLst>
-              <p:nextCondLst>
-                <p:cond evt="onNext" delay="0">
-                  <p:tgtEl>
-                    <p:sldTgt/>
-                  </p:tgtEl>
-                </p:cond>
-              </p:nextCondLst>
-            </p:seq>
-          </p:childTnLst>
-        </p:cTn>
-      </p:par>
-    </p:tnLst>
-  </p:timing>
 </p:sld>
 </file>
 
